--- a/uwp/slides/windows10-for-developers.pptx
+++ b/uwp/slides/windows10-for-developers.pptx
@@ -211,7 +211,7 @@
           <a:p>
             <a:fld id="{3C3A0C20-8828-47E5-BBC7-A1B64BD57DBF}" type="datetimeFigureOut">
               <a:rPr lang="de-AT" smtClean="0"/>
-              <a:t>06.01.2017</a:t>
+              <a:t>10.01.2017</a:t>
             </a:fld>
             <a:endParaRPr lang="de-AT"/>
           </a:p>
@@ -672,7 +672,7 @@
             <a:fld id="{2329C36A-F9E6-4843-A135-153B7C5AEBE5}" type="datetimeFigureOut">
               <a:rPr lang="de-AT" smtClean="0"/>
               <a:pPr/>
-              <a:t>06.01.2017</a:t>
+              <a:t>10.01.2017</a:t>
             </a:fld>
             <a:endParaRPr lang="de-AT"/>
           </a:p>
@@ -857,7 +857,7 @@
           <a:p>
             <a:fld id="{2329C36A-F9E6-4843-A135-153B7C5AEBE5}" type="datetimeFigureOut">
               <a:rPr lang="de-AT" smtClean="0"/>
-              <a:t>06.01.2017</a:t>
+              <a:t>10.01.2017</a:t>
             </a:fld>
             <a:endParaRPr lang="de-AT"/>
           </a:p>
@@ -1037,7 +1037,7 @@
           <a:p>
             <a:fld id="{2329C36A-F9E6-4843-A135-153B7C5AEBE5}" type="datetimeFigureOut">
               <a:rPr lang="de-AT" smtClean="0"/>
-              <a:t>06.01.2017</a:t>
+              <a:t>10.01.2017</a:t>
             </a:fld>
             <a:endParaRPr lang="de-AT"/>
           </a:p>
@@ -1207,7 +1207,7 @@
           <a:p>
             <a:fld id="{2329C36A-F9E6-4843-A135-153B7C5AEBE5}" type="datetimeFigureOut">
               <a:rPr lang="de-AT" smtClean="0"/>
-              <a:t>06.01.2017</a:t>
+              <a:t>10.01.2017</a:t>
             </a:fld>
             <a:endParaRPr lang="de-AT"/>
           </a:p>
@@ -1453,7 +1453,7 @@
           <a:p>
             <a:fld id="{2329C36A-F9E6-4843-A135-153B7C5AEBE5}" type="datetimeFigureOut">
               <a:rPr lang="de-AT" smtClean="0"/>
-              <a:t>06.01.2017</a:t>
+              <a:t>10.01.2017</a:t>
             </a:fld>
             <a:endParaRPr lang="de-AT"/>
           </a:p>
@@ -1685,7 +1685,7 @@
           <a:p>
             <a:fld id="{2329C36A-F9E6-4843-A135-153B7C5AEBE5}" type="datetimeFigureOut">
               <a:rPr lang="de-AT" smtClean="0"/>
-              <a:t>06.01.2017</a:t>
+              <a:t>10.01.2017</a:t>
             </a:fld>
             <a:endParaRPr lang="de-AT"/>
           </a:p>
@@ -2052,7 +2052,7 @@
           <a:p>
             <a:fld id="{2329C36A-F9E6-4843-A135-153B7C5AEBE5}" type="datetimeFigureOut">
               <a:rPr lang="de-AT" smtClean="0"/>
-              <a:t>06.01.2017</a:t>
+              <a:t>10.01.2017</a:t>
             </a:fld>
             <a:endParaRPr lang="de-AT"/>
           </a:p>
@@ -2170,7 +2170,7 @@
           <a:p>
             <a:fld id="{2329C36A-F9E6-4843-A135-153B7C5AEBE5}" type="datetimeFigureOut">
               <a:rPr lang="de-AT" smtClean="0"/>
-              <a:t>06.01.2017</a:t>
+              <a:t>10.01.2017</a:t>
             </a:fld>
             <a:endParaRPr lang="de-AT"/>
           </a:p>
@@ -2265,7 +2265,7 @@
           <a:p>
             <a:fld id="{2329C36A-F9E6-4843-A135-153B7C5AEBE5}" type="datetimeFigureOut">
               <a:rPr lang="de-AT" smtClean="0"/>
-              <a:t>06.01.2017</a:t>
+              <a:t>10.01.2017</a:t>
             </a:fld>
             <a:endParaRPr lang="de-AT"/>
           </a:p>
@@ -2542,7 +2542,7 @@
           <a:p>
             <a:fld id="{2329C36A-F9E6-4843-A135-153B7C5AEBE5}" type="datetimeFigureOut">
               <a:rPr lang="de-AT" smtClean="0"/>
-              <a:t>06.01.2017</a:t>
+              <a:t>10.01.2017</a:t>
             </a:fld>
             <a:endParaRPr lang="de-AT"/>
           </a:p>
@@ -2795,7 +2795,7 @@
           <a:p>
             <a:fld id="{2329C36A-F9E6-4843-A135-153B7C5AEBE5}" type="datetimeFigureOut">
               <a:rPr lang="de-AT" smtClean="0"/>
-              <a:t>06.01.2017</a:t>
+              <a:t>10.01.2017</a:t>
             </a:fld>
             <a:endParaRPr lang="de-AT"/>
           </a:p>
@@ -3008,7 +3008,7 @@
           <a:p>
             <a:fld id="{2329C36A-F9E6-4843-A135-153B7C5AEBE5}" type="datetimeFigureOut">
               <a:rPr lang="de-AT" smtClean="0"/>
-              <a:t>06.01.2017</a:t>
+              <a:t>10.01.2017</a:t>
             </a:fld>
             <a:endParaRPr lang="de-AT"/>
           </a:p>
@@ -5921,7 +5921,7 @@
 </file>
 
 <file path=ppt/slides/slide3.xml><?xml version="1.0" encoding="utf-8"?>
-<p:sld xmlns:a="http://schemas.openxmlformats.org/drawingml/2006/main" xmlns:r="http://schemas.openxmlformats.org/officeDocument/2006/relationships" xmlns:p="http://schemas.openxmlformats.org/presentationml/2006/main">
+<p:sld xmlns:a="http://schemas.openxmlformats.org/drawingml/2006/main" xmlns:r="http://schemas.openxmlformats.org/officeDocument/2006/relationships" xmlns:p="http://schemas.openxmlformats.org/presentationml/2006/main" show="0">
   <p:cSld>
     <p:spTree>
       <p:nvGrpSpPr>
@@ -6077,13 +6077,13 @@
   <p:clrMapOvr>
     <a:masterClrMapping/>
   </p:clrMapOvr>
-  <mc:AlternateContent xmlns:mc="http://schemas.openxmlformats.org/markup-compatibility/2006" xmlns:p14="http://schemas.microsoft.com/office/powerpoint/2010/main">
-    <mc:Choice Requires="p14">
+  <mc:AlternateContent xmlns:mc="http://schemas.openxmlformats.org/markup-compatibility/2006">
+    <mc:Choice xmlns:p14="http://schemas.microsoft.com/office/powerpoint/2010/main" Requires="p14">
       <p:transition spd="med" p14:dur="700">
         <p:fade/>
       </p:transition>
     </mc:Choice>
-    <mc:Fallback xmlns="">
+    <mc:Fallback>
       <p:transition spd="med">
         <p:fade/>
       </p:transition>
@@ -6093,7 +6093,7 @@
 </file>
 
 <file path=ppt/slides/slide4.xml><?xml version="1.0" encoding="utf-8"?>
-<p:sld xmlns:a="http://schemas.openxmlformats.org/drawingml/2006/main" xmlns:r="http://schemas.openxmlformats.org/officeDocument/2006/relationships" xmlns:p="http://schemas.openxmlformats.org/presentationml/2006/main">
+<p:sld xmlns:a="http://schemas.openxmlformats.org/drawingml/2006/main" xmlns:r="http://schemas.openxmlformats.org/officeDocument/2006/relationships" xmlns:p="http://schemas.openxmlformats.org/presentationml/2006/main" show="0">
   <p:cSld>
     <p:spTree>
       <p:nvGrpSpPr>
@@ -6181,13 +6181,13 @@
   <p:clrMapOvr>
     <a:masterClrMapping/>
   </p:clrMapOvr>
-  <mc:AlternateContent xmlns:mc="http://schemas.openxmlformats.org/markup-compatibility/2006" xmlns:p14="http://schemas.microsoft.com/office/powerpoint/2010/main">
-    <mc:Choice Requires="p14">
+  <mc:AlternateContent xmlns:mc="http://schemas.openxmlformats.org/markup-compatibility/2006">
+    <mc:Choice xmlns:p14="http://schemas.microsoft.com/office/powerpoint/2010/main" Requires="p14">
       <p:transition spd="med" p14:dur="700">
         <p:fade/>
       </p:transition>
     </mc:Choice>
-    <mc:Fallback xmlns="">
+    <mc:Fallback>
       <p:transition spd="med">
         <p:fade/>
       </p:transition>
@@ -6197,7 +6197,7 @@
 </file>
 
 <file path=ppt/slides/slide5.xml><?xml version="1.0" encoding="utf-8"?>
-<p:sld xmlns:a="http://schemas.openxmlformats.org/drawingml/2006/main" xmlns:r="http://schemas.openxmlformats.org/officeDocument/2006/relationships" xmlns:p="http://schemas.openxmlformats.org/presentationml/2006/main">
+<p:sld xmlns:a="http://schemas.openxmlformats.org/drawingml/2006/main" xmlns:r="http://schemas.openxmlformats.org/officeDocument/2006/relationships" xmlns:p="http://schemas.openxmlformats.org/presentationml/2006/main" show="0">
   <p:cSld>
     <p:spTree>
       <p:nvGrpSpPr>
@@ -6346,13 +6346,13 @@
   <p:clrMapOvr>
     <a:masterClrMapping/>
   </p:clrMapOvr>
-  <mc:AlternateContent xmlns:mc="http://schemas.openxmlformats.org/markup-compatibility/2006" xmlns:p14="http://schemas.microsoft.com/office/powerpoint/2010/main">
-    <mc:Choice Requires="p14">
+  <mc:AlternateContent xmlns:mc="http://schemas.openxmlformats.org/markup-compatibility/2006">
+    <mc:Choice xmlns:p14="http://schemas.microsoft.com/office/powerpoint/2010/main" Requires="p14">
       <p:transition spd="med" p14:dur="700">
         <p:fade/>
       </p:transition>
     </mc:Choice>
-    <mc:Fallback xmlns="">
+    <mc:Fallback>
       <p:transition spd="med">
         <p:fade/>
       </p:transition>
@@ -6362,7 +6362,7 @@
 </file>
 
 <file path=ppt/slides/slide6.xml><?xml version="1.0" encoding="utf-8"?>
-<p:sld xmlns:a="http://schemas.openxmlformats.org/drawingml/2006/main" xmlns:r="http://schemas.openxmlformats.org/officeDocument/2006/relationships" xmlns:p="http://schemas.openxmlformats.org/presentationml/2006/main">
+<p:sld xmlns:a="http://schemas.openxmlformats.org/drawingml/2006/main" xmlns:r="http://schemas.openxmlformats.org/officeDocument/2006/relationships" xmlns:p="http://schemas.openxmlformats.org/presentationml/2006/main" show="0">
   <p:cSld>
     <p:spTree>
       <p:nvGrpSpPr>
@@ -6568,13 +6568,13 @@
   <p:clrMapOvr>
     <a:masterClrMapping/>
   </p:clrMapOvr>
-  <mc:AlternateContent xmlns:mc="http://schemas.openxmlformats.org/markup-compatibility/2006" xmlns:p14="http://schemas.microsoft.com/office/powerpoint/2010/main">
-    <mc:Choice Requires="p14">
+  <mc:AlternateContent xmlns:mc="http://schemas.openxmlformats.org/markup-compatibility/2006">
+    <mc:Choice xmlns:p14="http://schemas.microsoft.com/office/powerpoint/2010/main" Requires="p14">
       <p:transition spd="med" p14:dur="700">
         <p:fade/>
       </p:transition>
     </mc:Choice>
-    <mc:Fallback xmlns="">
+    <mc:Fallback>
       <p:transition spd="med">
         <p:fade/>
       </p:transition>
